--- a/ppts/Day_4_Activity.pptx
+++ b/ppts/Day_4_Activity.pptx
@@ -5,19 +5,16 @@
     <p:sldMasterId id="2147483696" r:id="rId1"/>
   </p:sldMasterIdLst>
   <p:notesMasterIdLst>
-    <p:notesMasterId r:id="rId12"/>
+    <p:notesMasterId r:id="rId9"/>
   </p:notesMasterIdLst>
   <p:sldIdLst>
-    <p:sldId id="814" r:id="rId2"/>
-    <p:sldId id="815" r:id="rId3"/>
-    <p:sldId id="824" r:id="rId4"/>
-    <p:sldId id="802" r:id="rId5"/>
-    <p:sldId id="818" r:id="rId6"/>
-    <p:sldId id="825" r:id="rId7"/>
-    <p:sldId id="826" r:id="rId8"/>
-    <p:sldId id="827" r:id="rId9"/>
-    <p:sldId id="828" r:id="rId10"/>
-    <p:sldId id="829" r:id="rId11"/>
+    <p:sldId id="802" r:id="rId2"/>
+    <p:sldId id="818" r:id="rId3"/>
+    <p:sldId id="825" r:id="rId4"/>
+    <p:sldId id="826" r:id="rId5"/>
+    <p:sldId id="827" r:id="rId6"/>
+    <p:sldId id="828" r:id="rId7"/>
+    <p:sldId id="829" r:id="rId8"/>
   </p:sldIdLst>
   <p:sldSz cx="12192000" cy="6858000"/>
   <p:notesSz cx="6858000" cy="9144000"/>
@@ -220,7 +217,7 @@
           <a:p>
             <a:fld id="{648057B7-EFC7-4AC6-B479-CDD44EB7D654}" type="datetimeFigureOut">
               <a:rPr lang="ko-KR" altLang="en-US" smtClean="0"/>
-              <a:t>2020-01-22</a:t>
+              <a:t>2020-01-29</a:t>
             </a:fld>
             <a:endParaRPr lang="ko-KR" altLang="en-US"/>
           </a:p>
@@ -561,91 +558,7 @@
     </p:spTree>
     <p:extLst>
       <p:ext uri="{BB962C8B-B14F-4D97-AF65-F5344CB8AC3E}">
-        <p14:creationId xmlns:p14="http://schemas.microsoft.com/office/powerpoint/2010/main" val="3539548972"/>
-      </p:ext>
-    </p:extLst>
-  </p:cSld>
-  <p:clrMapOvr>
-    <a:masterClrMapping/>
-  </p:clrMapOvr>
-</p:notes>
-</file>
-
-<file path=ppt/notesSlides/notesSlide10.xml><?xml version="1.0" encoding="utf-8"?>
-<p:notes xmlns:a="http://schemas.openxmlformats.org/drawingml/2006/main" xmlns:r="http://schemas.openxmlformats.org/officeDocument/2006/relationships" xmlns:p="http://schemas.openxmlformats.org/presentationml/2006/main">
-  <p:cSld>
-    <p:spTree>
-      <p:nvGrpSpPr>
-        <p:cNvPr id="1" name=""/>
-        <p:cNvGrpSpPr/>
-        <p:nvPr/>
-      </p:nvGrpSpPr>
-      <p:grpSpPr>
-        <a:xfrm>
-          <a:off x="0" y="0"/>
-          <a:ext cx="0" cy="0"/>
-          <a:chOff x="0" y="0"/>
-          <a:chExt cx="0" cy="0"/>
-        </a:xfrm>
-      </p:grpSpPr>
-      <p:sp>
-        <p:nvSpPr>
-          <p:cNvPr id="2" name="슬라이드 이미지 개체 틀 1"/>
-          <p:cNvSpPr>
-            <a:spLocks noGrp="1" noRot="1" noChangeAspect="1"/>
-          </p:cNvSpPr>
-          <p:nvPr>
-            <p:ph type="sldImg"/>
-          </p:nvPr>
-        </p:nvSpPr>
-        <p:spPr/>
-      </p:sp>
-      <p:sp>
-        <p:nvSpPr>
-          <p:cNvPr id="3" name="슬라이드 노트 개체 틀 2"/>
-          <p:cNvSpPr>
-            <a:spLocks noGrp="1"/>
-          </p:cNvSpPr>
-          <p:nvPr>
-            <p:ph type="body" idx="1"/>
-          </p:nvPr>
-        </p:nvSpPr>
-        <p:spPr/>
-        <p:txBody>
-          <a:bodyPr/>
-          <a:lstStyle/>
-          <a:p>
-            <a:endParaRPr lang="ko-KR" altLang="en-US" dirty="0"/>
-          </a:p>
-        </p:txBody>
-      </p:sp>
-      <p:sp>
-        <p:nvSpPr>
-          <p:cNvPr id="4" name="슬라이드 번호 개체 틀 3"/>
-          <p:cNvSpPr>
-            <a:spLocks noGrp="1"/>
-          </p:cNvSpPr>
-          <p:nvPr>
-            <p:ph type="sldNum" sz="quarter" idx="10"/>
-          </p:nvPr>
-        </p:nvSpPr>
-        <p:spPr/>
-        <p:txBody>
-          <a:bodyPr/>
-          <a:lstStyle/>
-          <a:p>
-            <a:fld id="{21EDD92F-6552-427E-B1F2-FAEB3F7EF1CB}" type="slidenum">
-              <a:rPr lang="ko-KR" altLang="en-US" smtClean="0"/>
-              <a:t>10</a:t>
-            </a:fld>
-            <a:endParaRPr lang="ko-KR" altLang="en-US"/>
-          </a:p>
-        </p:txBody>
-      </p:sp>
-    </p:spTree>
-    <p:extLst>
-      <p:ext uri="{BB962C8B-B14F-4D97-AF65-F5344CB8AC3E}">
-        <p14:creationId xmlns:p14="http://schemas.microsoft.com/office/powerpoint/2010/main" val="621651149"/>
+        <p14:creationId xmlns:p14="http://schemas.microsoft.com/office/powerpoint/2010/main" val="3784007598"/>
       </p:ext>
     </p:extLst>
   </p:cSld>
@@ -729,7 +642,7 @@
     </p:spTree>
     <p:extLst>
       <p:ext uri="{BB962C8B-B14F-4D97-AF65-F5344CB8AC3E}">
-        <p14:creationId xmlns:p14="http://schemas.microsoft.com/office/powerpoint/2010/main" val="2684584780"/>
+        <p14:creationId xmlns:p14="http://schemas.microsoft.com/office/powerpoint/2010/main" val="2786239098"/>
       </p:ext>
     </p:extLst>
   </p:cSld>
@@ -813,7 +726,7 @@
     </p:spTree>
     <p:extLst>
       <p:ext uri="{BB962C8B-B14F-4D97-AF65-F5344CB8AC3E}">
-        <p14:creationId xmlns:p14="http://schemas.microsoft.com/office/powerpoint/2010/main" val="2370250667"/>
+        <p14:creationId xmlns:p14="http://schemas.microsoft.com/office/powerpoint/2010/main" val="2359869583"/>
       </p:ext>
     </p:extLst>
   </p:cSld>
@@ -897,7 +810,7 @@
     </p:spTree>
     <p:extLst>
       <p:ext uri="{BB962C8B-B14F-4D97-AF65-F5344CB8AC3E}">
-        <p14:creationId xmlns:p14="http://schemas.microsoft.com/office/powerpoint/2010/main" val="3784007598"/>
+        <p14:creationId xmlns:p14="http://schemas.microsoft.com/office/powerpoint/2010/main" val="2150847899"/>
       </p:ext>
     </p:extLst>
   </p:cSld>
@@ -981,7 +894,7 @@
     </p:spTree>
     <p:extLst>
       <p:ext uri="{BB962C8B-B14F-4D97-AF65-F5344CB8AC3E}">
-        <p14:creationId xmlns:p14="http://schemas.microsoft.com/office/powerpoint/2010/main" val="2786239098"/>
+        <p14:creationId xmlns:p14="http://schemas.microsoft.com/office/powerpoint/2010/main" val="550914189"/>
       </p:ext>
     </p:extLst>
   </p:cSld>
@@ -1065,7 +978,7 @@
     </p:spTree>
     <p:extLst>
       <p:ext uri="{BB962C8B-B14F-4D97-AF65-F5344CB8AC3E}">
-        <p14:creationId xmlns:p14="http://schemas.microsoft.com/office/powerpoint/2010/main" val="2359869583"/>
+        <p14:creationId xmlns:p14="http://schemas.microsoft.com/office/powerpoint/2010/main" val="199653594"/>
       </p:ext>
     </p:extLst>
   </p:cSld>
@@ -1149,175 +1062,7 @@
     </p:spTree>
     <p:extLst>
       <p:ext uri="{BB962C8B-B14F-4D97-AF65-F5344CB8AC3E}">
-        <p14:creationId xmlns:p14="http://schemas.microsoft.com/office/powerpoint/2010/main" val="2150847899"/>
-      </p:ext>
-    </p:extLst>
-  </p:cSld>
-  <p:clrMapOvr>
-    <a:masterClrMapping/>
-  </p:clrMapOvr>
-</p:notes>
-</file>
-
-<file path=ppt/notesSlides/notesSlide8.xml><?xml version="1.0" encoding="utf-8"?>
-<p:notes xmlns:a="http://schemas.openxmlformats.org/drawingml/2006/main" xmlns:r="http://schemas.openxmlformats.org/officeDocument/2006/relationships" xmlns:p="http://schemas.openxmlformats.org/presentationml/2006/main">
-  <p:cSld>
-    <p:spTree>
-      <p:nvGrpSpPr>
-        <p:cNvPr id="1" name=""/>
-        <p:cNvGrpSpPr/>
-        <p:nvPr/>
-      </p:nvGrpSpPr>
-      <p:grpSpPr>
-        <a:xfrm>
-          <a:off x="0" y="0"/>
-          <a:ext cx="0" cy="0"/>
-          <a:chOff x="0" y="0"/>
-          <a:chExt cx="0" cy="0"/>
-        </a:xfrm>
-      </p:grpSpPr>
-      <p:sp>
-        <p:nvSpPr>
-          <p:cNvPr id="2" name="슬라이드 이미지 개체 틀 1"/>
-          <p:cNvSpPr>
-            <a:spLocks noGrp="1" noRot="1" noChangeAspect="1"/>
-          </p:cNvSpPr>
-          <p:nvPr>
-            <p:ph type="sldImg"/>
-          </p:nvPr>
-        </p:nvSpPr>
-        <p:spPr/>
-      </p:sp>
-      <p:sp>
-        <p:nvSpPr>
-          <p:cNvPr id="3" name="슬라이드 노트 개체 틀 2"/>
-          <p:cNvSpPr>
-            <a:spLocks noGrp="1"/>
-          </p:cNvSpPr>
-          <p:nvPr>
-            <p:ph type="body" idx="1"/>
-          </p:nvPr>
-        </p:nvSpPr>
-        <p:spPr/>
-        <p:txBody>
-          <a:bodyPr/>
-          <a:lstStyle/>
-          <a:p>
-            <a:endParaRPr lang="ko-KR" altLang="en-US" dirty="0"/>
-          </a:p>
-        </p:txBody>
-      </p:sp>
-      <p:sp>
-        <p:nvSpPr>
-          <p:cNvPr id="4" name="슬라이드 번호 개체 틀 3"/>
-          <p:cNvSpPr>
-            <a:spLocks noGrp="1"/>
-          </p:cNvSpPr>
-          <p:nvPr>
-            <p:ph type="sldNum" sz="quarter" idx="10"/>
-          </p:nvPr>
-        </p:nvSpPr>
-        <p:spPr/>
-        <p:txBody>
-          <a:bodyPr/>
-          <a:lstStyle/>
-          <a:p>
-            <a:fld id="{21EDD92F-6552-427E-B1F2-FAEB3F7EF1CB}" type="slidenum">
-              <a:rPr lang="ko-KR" altLang="en-US" smtClean="0"/>
-              <a:t>8</a:t>
-            </a:fld>
-            <a:endParaRPr lang="ko-KR" altLang="en-US"/>
-          </a:p>
-        </p:txBody>
-      </p:sp>
-    </p:spTree>
-    <p:extLst>
-      <p:ext uri="{BB962C8B-B14F-4D97-AF65-F5344CB8AC3E}">
-        <p14:creationId xmlns:p14="http://schemas.microsoft.com/office/powerpoint/2010/main" val="550914189"/>
-      </p:ext>
-    </p:extLst>
-  </p:cSld>
-  <p:clrMapOvr>
-    <a:masterClrMapping/>
-  </p:clrMapOvr>
-</p:notes>
-</file>
-
-<file path=ppt/notesSlides/notesSlide9.xml><?xml version="1.0" encoding="utf-8"?>
-<p:notes xmlns:a="http://schemas.openxmlformats.org/drawingml/2006/main" xmlns:r="http://schemas.openxmlformats.org/officeDocument/2006/relationships" xmlns:p="http://schemas.openxmlformats.org/presentationml/2006/main">
-  <p:cSld>
-    <p:spTree>
-      <p:nvGrpSpPr>
-        <p:cNvPr id="1" name=""/>
-        <p:cNvGrpSpPr/>
-        <p:nvPr/>
-      </p:nvGrpSpPr>
-      <p:grpSpPr>
-        <a:xfrm>
-          <a:off x="0" y="0"/>
-          <a:ext cx="0" cy="0"/>
-          <a:chOff x="0" y="0"/>
-          <a:chExt cx="0" cy="0"/>
-        </a:xfrm>
-      </p:grpSpPr>
-      <p:sp>
-        <p:nvSpPr>
-          <p:cNvPr id="2" name="슬라이드 이미지 개체 틀 1"/>
-          <p:cNvSpPr>
-            <a:spLocks noGrp="1" noRot="1" noChangeAspect="1"/>
-          </p:cNvSpPr>
-          <p:nvPr>
-            <p:ph type="sldImg"/>
-          </p:nvPr>
-        </p:nvSpPr>
-        <p:spPr/>
-      </p:sp>
-      <p:sp>
-        <p:nvSpPr>
-          <p:cNvPr id="3" name="슬라이드 노트 개체 틀 2"/>
-          <p:cNvSpPr>
-            <a:spLocks noGrp="1"/>
-          </p:cNvSpPr>
-          <p:nvPr>
-            <p:ph type="body" idx="1"/>
-          </p:nvPr>
-        </p:nvSpPr>
-        <p:spPr/>
-        <p:txBody>
-          <a:bodyPr/>
-          <a:lstStyle/>
-          <a:p>
-            <a:endParaRPr lang="ko-KR" altLang="en-US" dirty="0"/>
-          </a:p>
-        </p:txBody>
-      </p:sp>
-      <p:sp>
-        <p:nvSpPr>
-          <p:cNvPr id="4" name="슬라이드 번호 개체 틀 3"/>
-          <p:cNvSpPr>
-            <a:spLocks noGrp="1"/>
-          </p:cNvSpPr>
-          <p:nvPr>
-            <p:ph type="sldNum" sz="quarter" idx="10"/>
-          </p:nvPr>
-        </p:nvSpPr>
-        <p:spPr/>
-        <p:txBody>
-          <a:bodyPr/>
-          <a:lstStyle/>
-          <a:p>
-            <a:fld id="{21EDD92F-6552-427E-B1F2-FAEB3F7EF1CB}" type="slidenum">
-              <a:rPr lang="ko-KR" altLang="en-US" smtClean="0"/>
-              <a:t>9</a:t>
-            </a:fld>
-            <a:endParaRPr lang="ko-KR" altLang="en-US"/>
-          </a:p>
-        </p:txBody>
-      </p:sp>
-    </p:spTree>
-    <p:extLst>
-      <p:ext uri="{BB962C8B-B14F-4D97-AF65-F5344CB8AC3E}">
-        <p14:creationId xmlns:p14="http://schemas.microsoft.com/office/powerpoint/2010/main" val="199653594"/>
+        <p14:creationId xmlns:p14="http://schemas.microsoft.com/office/powerpoint/2010/main" val="621651149"/>
       </p:ext>
     </p:extLst>
   </p:cSld>
@@ -1481,7 +1226,7 @@
           <a:p>
             <a:fld id="{92DC3DFC-D19E-4489-81A0-2BEACF4D5BEA}" type="datetime1">
               <a:rPr lang="ko-KR" altLang="en-US" smtClean="0"/>
-              <a:t>2020-01-22</a:t>
+              <a:t>2020-01-29</a:t>
             </a:fld>
             <a:endParaRPr lang="ko-KR" altLang="en-US"/>
           </a:p>
@@ -2157,7 +1902,7 @@
           <a:p>
             <a:fld id="{D6186EA6-D9DB-42E3-9CF4-5FF064BCCBD4}" type="datetime1">
               <a:rPr lang="ko-KR" altLang="en-US" smtClean="0"/>
-              <a:t>2020-01-22</a:t>
+              <a:t>2020-01-29</a:t>
             </a:fld>
             <a:endParaRPr lang="ko-KR" altLang="en-US"/>
           </a:p>
@@ -2315,7 +2060,7 @@
           <a:p>
             <a:fld id="{E42C130B-BDA3-4432-AD22-7228F2591A72}" type="datetime1">
               <a:rPr lang="ko-KR" altLang="en-US" smtClean="0"/>
-              <a:t>2020-01-22</a:t>
+              <a:t>2020-01-29</a:t>
             </a:fld>
             <a:endParaRPr lang="ko-KR" altLang="en-US"/>
           </a:p>
@@ -2579,7 +2324,7 @@
           <a:p>
             <a:fld id="{3C649B2E-AC5C-4CA1-A2FD-F4A945DECCCA}" type="datetime1">
               <a:rPr lang="ko-KR" altLang="en-US" smtClean="0"/>
-              <a:t>2020-01-22</a:t>
+              <a:t>2020-01-29</a:t>
             </a:fld>
             <a:endParaRPr lang="ko-KR" altLang="en-US"/>
           </a:p>
@@ -2673,7 +2418,7 @@
           <a:p>
             <a:fld id="{AC778754-33AA-481A-B885-58843B94B2EC}" type="datetime1">
               <a:rPr lang="ko-KR" altLang="en-US" smtClean="0"/>
-              <a:t>2020-01-22</a:t>
+              <a:t>2020-01-29</a:t>
             </a:fld>
             <a:endParaRPr lang="ko-KR" altLang="en-US"/>
           </a:p>
@@ -3384,7 +3129,7 @@
             <a:fld id="{AC778754-33AA-481A-B885-58843B94B2EC}" type="datetime1">
               <a:rPr lang="ko-KR" altLang="en-US" smtClean="0"/>
               <a:pPr/>
-              <a:t>2020-01-22</a:t>
+              <a:t>2020-01-29</a:t>
             </a:fld>
             <a:endParaRPr lang="ko-KR" altLang="en-US" dirty="0"/>
           </a:p>
@@ -3936,7 +3681,7 @@
                 <a:latin typeface="나눔고딕" panose="020D0604000000000000" pitchFamily="50" charset="-127"/>
                 <a:ea typeface="나눔고딕" panose="020D0604000000000000" pitchFamily="50" charset="-127"/>
               </a:rPr>
-              <a:t>01 Implicit Intent</a:t>
+              <a:t>01-01 Messenger</a:t>
             </a:r>
             <a:endParaRPr lang="ko-KR" altLang="en-US" dirty="0">
               <a:latin typeface="나눔고딕" panose="020D0604000000000000" pitchFamily="50" charset="-127"/>
@@ -3969,1402 +3714,6 @@
                 <a:defRPr/>
               </a:pPr>
               <a:t>1</a:t>
-            </a:fld>
-            <a:endParaRPr lang="ko-KR" altLang="en-US"/>
-          </a:p>
-        </p:txBody>
-      </p:sp>
-      <p:pic>
-        <p:nvPicPr>
-          <p:cNvPr id="9" name="그림 8" descr="스크린샷이(가) 표시된 사진&#10;&#10;자동 생성된 설명">
-            <a:extLst>
-              <a:ext uri="{FF2B5EF4-FFF2-40B4-BE49-F238E27FC236}">
-                <a16:creationId xmlns:a16="http://schemas.microsoft.com/office/drawing/2014/main" id="{D5E47BB5-52BC-4BB8-8F0D-E4C8535FA4DB}"/>
-              </a:ext>
-            </a:extLst>
-          </p:cNvPr>
-          <p:cNvPicPr>
-            <a:picLocks noChangeAspect="1"/>
-          </p:cNvPicPr>
-          <p:nvPr/>
-        </p:nvPicPr>
-        <p:blipFill>
-          <a:blip r:embed="rId3" cstate="print">
-            <a:extLst>
-              <a:ext uri="{28A0092B-C50C-407E-A947-70E740481C1C}">
-                <a14:useLocalDpi xmlns:a14="http://schemas.microsoft.com/office/drawing/2010/main" val="0"/>
-              </a:ext>
-            </a:extLst>
-          </a:blip>
-          <a:stretch>
-            <a:fillRect/>
-          </a:stretch>
-        </p:blipFill>
-        <p:spPr>
-          <a:xfrm>
-            <a:off x="1894148" y="860426"/>
-            <a:ext cx="3183433" cy="5659437"/>
-          </a:xfrm>
-          <a:prstGeom prst="rect">
-            <a:avLst/>
-          </a:prstGeom>
-        </p:spPr>
-      </p:pic>
-      <p:sp>
-        <p:nvSpPr>
-          <p:cNvPr id="19" name="TextBox 18">
-            <a:extLst>
-              <a:ext uri="{FF2B5EF4-FFF2-40B4-BE49-F238E27FC236}">
-                <a16:creationId xmlns:a16="http://schemas.microsoft.com/office/drawing/2014/main" id="{C4FE0772-2C02-49AD-82D0-30D39DC8E538}"/>
-              </a:ext>
-            </a:extLst>
-          </p:cNvPr>
-          <p:cNvSpPr txBox="1"/>
-          <p:nvPr/>
-        </p:nvSpPr>
-        <p:spPr>
-          <a:xfrm>
-            <a:off x="7108395" y="1058654"/>
-            <a:ext cx="4442211" cy="5262979"/>
-          </a:xfrm>
-          <a:prstGeom prst="rect">
-            <a:avLst/>
-          </a:prstGeom>
-          <a:noFill/>
-        </p:spPr>
-        <p:txBody>
-          <a:bodyPr wrap="square" rtlCol="0">
-            <a:spAutoFit/>
-          </a:bodyPr>
-          <a:lstStyle/>
-          <a:p>
-            <a:pPr marL="285750" indent="-285750">
-              <a:buFont typeface="Arial" panose="020B0604020202020204" pitchFamily="34" charset="0"/>
-              <a:buChar char="•"/>
-            </a:pPr>
-            <a:r>
-              <a:rPr lang="en-US" altLang="ko-KR" sz="2400" b="1" dirty="0"/>
-              <a:t>Implicit Intent</a:t>
-            </a:r>
-            <a:r>
-              <a:rPr lang="ko-KR" altLang="en-US" sz="2400" b="1" dirty="0"/>
-              <a:t>를 이용한 기능들을 구현해본다</a:t>
-            </a:r>
-            <a:endParaRPr lang="en-US" altLang="ko-KR" sz="2400" b="1" dirty="0"/>
-          </a:p>
-          <a:p>
-            <a:pPr marL="285750" indent="-285750">
-              <a:buFont typeface="Arial" panose="020B0604020202020204" pitchFamily="34" charset="0"/>
-              <a:buChar char="•"/>
-            </a:pPr>
-            <a:endParaRPr lang="en-US" altLang="ko-KR" sz="2400" b="1" dirty="0"/>
-          </a:p>
-          <a:p>
-            <a:pPr marL="285750" indent="-285750">
-              <a:buFont typeface="Arial" panose="020B0604020202020204" pitchFamily="34" charset="0"/>
-              <a:buChar char="•"/>
-            </a:pPr>
-            <a:r>
-              <a:rPr lang="en-US" altLang="ko-KR" sz="2400" b="1" dirty="0"/>
-              <a:t>Open Website</a:t>
-            </a:r>
-            <a:r>
-              <a:rPr lang="ko-KR" altLang="en-US" sz="2400" b="1" dirty="0"/>
-              <a:t>를 누르면 인터넷이 켜지면서 </a:t>
-            </a:r>
-            <a:r>
-              <a:rPr lang="en-US" altLang="ko-KR" sz="2400" b="1" dirty="0" err="1"/>
-              <a:t>EditText</a:t>
-            </a:r>
-            <a:r>
-              <a:rPr lang="ko-KR" altLang="en-US" sz="2400" b="1" dirty="0"/>
-              <a:t>에 있는 주소로 이동한다</a:t>
-            </a:r>
-            <a:endParaRPr lang="en-US" altLang="ko-KR" sz="2400" b="1" dirty="0"/>
-          </a:p>
-          <a:p>
-            <a:pPr marL="285750" indent="-285750">
-              <a:buFont typeface="Arial" panose="020B0604020202020204" pitchFamily="34" charset="0"/>
-              <a:buChar char="•"/>
-            </a:pPr>
-            <a:endParaRPr lang="en-US" altLang="ko-KR" sz="2400" b="1" dirty="0"/>
-          </a:p>
-          <a:p>
-            <a:pPr marL="285750" indent="-285750">
-              <a:buFont typeface="Arial" panose="020B0604020202020204" pitchFamily="34" charset="0"/>
-              <a:buChar char="•"/>
-            </a:pPr>
-            <a:r>
-              <a:rPr lang="en-US" altLang="ko-KR" sz="2400" b="1" dirty="0"/>
-              <a:t>Open Location</a:t>
-            </a:r>
-            <a:r>
-              <a:rPr lang="ko-KR" altLang="en-US" sz="2400" b="1" dirty="0"/>
-              <a:t>을 누르면 지도가 켜지면서 </a:t>
-            </a:r>
-            <a:r>
-              <a:rPr lang="en-US" altLang="ko-KR" sz="2400" b="1" dirty="0" err="1"/>
-              <a:t>EditText</a:t>
-            </a:r>
-            <a:r>
-              <a:rPr lang="ko-KR" altLang="en-US" sz="2400" b="1" dirty="0"/>
-              <a:t>에 있는 지명을 검색한다</a:t>
-            </a:r>
-            <a:endParaRPr lang="en-US" altLang="ko-KR" sz="2400" b="1" dirty="0"/>
-          </a:p>
-          <a:p>
-            <a:pPr marL="285750" indent="-285750">
-              <a:buFont typeface="Arial" panose="020B0604020202020204" pitchFamily="34" charset="0"/>
-              <a:buChar char="•"/>
-            </a:pPr>
-            <a:endParaRPr lang="en-US" altLang="ko-KR" sz="2400" b="1" dirty="0"/>
-          </a:p>
-          <a:p>
-            <a:pPr marL="285750" indent="-285750">
-              <a:buFont typeface="Arial" panose="020B0604020202020204" pitchFamily="34" charset="0"/>
-              <a:buChar char="•"/>
-            </a:pPr>
-            <a:r>
-              <a:rPr lang="en-US" altLang="ko-KR" sz="2400" b="1" dirty="0"/>
-              <a:t>Share This text</a:t>
-            </a:r>
-            <a:r>
-              <a:rPr lang="ko-KR" altLang="en-US" sz="2400" b="1" dirty="0"/>
-              <a:t>를 누르면 </a:t>
-            </a:r>
-            <a:r>
-              <a:rPr lang="en-US" altLang="ko-KR" sz="2400" b="1" dirty="0" err="1"/>
-              <a:t>EditText</a:t>
-            </a:r>
-            <a:r>
-              <a:rPr lang="ko-KR" altLang="en-US" sz="2400" b="1" dirty="0"/>
-              <a:t>에 있는 내용을 공유한다</a:t>
-            </a:r>
-            <a:endParaRPr lang="en-US" altLang="ko-KR" sz="2400" b="1" dirty="0"/>
-          </a:p>
-        </p:txBody>
-      </p:sp>
-    </p:spTree>
-    <p:extLst>
-      <p:ext uri="{BB962C8B-B14F-4D97-AF65-F5344CB8AC3E}">
-        <p14:creationId xmlns:p14="http://schemas.microsoft.com/office/powerpoint/2010/main" val="132657079"/>
-      </p:ext>
-    </p:extLst>
-  </p:cSld>
-  <p:clrMapOvr>
-    <a:masterClrMapping/>
-  </p:clrMapOvr>
-</p:sld>
-</file>
-
-<file path=ppt/slides/slide10.xml><?xml version="1.0" encoding="utf-8"?>
-<p:sld xmlns:a="http://schemas.openxmlformats.org/drawingml/2006/main" xmlns:r="http://schemas.openxmlformats.org/officeDocument/2006/relationships" xmlns:p="http://schemas.openxmlformats.org/presentationml/2006/main">
-  <p:cSld>
-    <p:spTree>
-      <p:nvGrpSpPr>
-        <p:cNvPr id="1" name=""/>
-        <p:cNvGrpSpPr/>
-        <p:nvPr/>
-      </p:nvGrpSpPr>
-      <p:grpSpPr>
-        <a:xfrm>
-          <a:off x="0" y="0"/>
-          <a:ext cx="0" cy="0"/>
-          <a:chOff x="0" y="0"/>
-          <a:chExt cx="0" cy="0"/>
-        </a:xfrm>
-      </p:grpSpPr>
-      <p:sp>
-        <p:nvSpPr>
-          <p:cNvPr id="2" name="제목 1"/>
-          <p:cNvSpPr>
-            <a:spLocks noGrp="1"/>
-          </p:cNvSpPr>
-          <p:nvPr>
-            <p:ph type="title"/>
-          </p:nvPr>
-        </p:nvSpPr>
-        <p:spPr>
-          <a:xfrm>
-            <a:off x="453100" y="380510"/>
-            <a:ext cx="11248112" cy="456202"/>
-          </a:xfrm>
-        </p:spPr>
-        <p:txBody>
-          <a:bodyPr/>
-          <a:lstStyle/>
-          <a:p>
-            <a:r>
-              <a:rPr lang="en-US" altLang="ko-KR" dirty="0">
-                <a:latin typeface="나눔고딕" panose="020D0604000000000000" pitchFamily="50" charset="-127"/>
-                <a:ea typeface="나눔고딕" panose="020D0604000000000000" pitchFamily="50" charset="-127"/>
-              </a:rPr>
-              <a:t>02-03 Messenger</a:t>
-            </a:r>
-            <a:endParaRPr lang="ko-KR" altLang="en-US" dirty="0">
-              <a:latin typeface="나눔고딕" panose="020D0604000000000000" pitchFamily="50" charset="-127"/>
-              <a:ea typeface="나눔고딕" panose="020D0604000000000000" pitchFamily="50" charset="-127"/>
-            </a:endParaRPr>
-          </a:p>
-        </p:txBody>
-      </p:sp>
-      <p:sp>
-        <p:nvSpPr>
-          <p:cNvPr id="4" name="슬라이드 번호 개체 틀 3"/>
-          <p:cNvSpPr>
-            <a:spLocks noGrp="1"/>
-          </p:cNvSpPr>
-          <p:nvPr>
-            <p:ph type="sldNum" sz="quarter" idx="14"/>
-          </p:nvPr>
-        </p:nvSpPr>
-        <p:spPr/>
-        <p:txBody>
-          <a:bodyPr/>
-          <a:lstStyle/>
-          <a:p>
-            <a:pPr>
-              <a:defRPr/>
-            </a:pPr>
-            <a:fld id="{3D493B47-E977-46F8-8C2F-7DA674317049}" type="slidenum">
-              <a:rPr lang="ko-KR" altLang="en-US" smtClean="0"/>
-              <a:pPr>
-                <a:defRPr/>
-              </a:pPr>
-              <a:t>10</a:t>
-            </a:fld>
-            <a:endParaRPr lang="ko-KR" altLang="en-US"/>
-          </a:p>
-        </p:txBody>
-      </p:sp>
-      <p:sp>
-        <p:nvSpPr>
-          <p:cNvPr id="5" name="내용 개체 틀 4">
-            <a:extLst>
-              <a:ext uri="{FF2B5EF4-FFF2-40B4-BE49-F238E27FC236}">
-                <a16:creationId xmlns:a16="http://schemas.microsoft.com/office/drawing/2014/main" id="{5DA6ACC0-4EB9-4FD3-BB05-04945F559461}"/>
-              </a:ext>
-            </a:extLst>
-          </p:cNvPr>
-          <p:cNvSpPr>
-            <a:spLocks noGrp="1"/>
-          </p:cNvSpPr>
-          <p:nvPr>
-            <p:ph idx="10"/>
-          </p:nvPr>
-        </p:nvSpPr>
-        <p:spPr>
-          <a:xfrm>
-            <a:off x="453100" y="836712"/>
-            <a:ext cx="11248112" cy="5640778"/>
-          </a:xfrm>
-        </p:spPr>
-        <p:txBody>
-          <a:bodyPr/>
-          <a:lstStyle/>
-          <a:p>
-            <a:r>
-              <a:rPr lang="en-US" altLang="ko-KR" dirty="0" err="1"/>
-              <a:t>sendMessage</a:t>
-            </a:r>
-            <a:r>
-              <a:rPr lang="en-US" altLang="ko-KR" dirty="0"/>
-              <a:t> method </a:t>
-            </a:r>
-            <a:r>
-              <a:rPr lang="ko-KR" altLang="en-US" dirty="0"/>
-              <a:t>에서 메시지를 추가할 때 </a:t>
-            </a:r>
-            <a:r>
-              <a:rPr lang="en-US" altLang="ko-KR" dirty="0"/>
-              <a:t>8</a:t>
-            </a:r>
-            <a:r>
-              <a:rPr lang="ko-KR" altLang="en-US" dirty="0"/>
-              <a:t>개를 넘지 않도록 합니다</a:t>
-            </a:r>
-            <a:endParaRPr lang="en-US" altLang="ko-KR" dirty="0"/>
-          </a:p>
-          <a:p>
-            <a:r>
-              <a:rPr lang="en-US" altLang="ko-KR" dirty="0" err="1"/>
-              <a:t>Message.size</a:t>
-            </a:r>
-            <a:r>
-              <a:rPr lang="en-US" altLang="ko-KR" dirty="0"/>
-              <a:t>()</a:t>
-            </a:r>
-            <a:r>
-              <a:rPr lang="ko-KR" altLang="en-US" dirty="0"/>
-              <a:t>를 통해 </a:t>
-            </a:r>
-            <a:r>
-              <a:rPr lang="en-US" altLang="ko-KR" dirty="0"/>
-              <a:t>message List</a:t>
-            </a:r>
-            <a:r>
-              <a:rPr lang="ko-KR" altLang="en-US" dirty="0"/>
-              <a:t> 값의 수를 알 수 있습니다</a:t>
-            </a:r>
-            <a:endParaRPr lang="en-US" altLang="ko-KR" dirty="0"/>
-          </a:p>
-          <a:p>
-            <a:r>
-              <a:rPr lang="en-US" altLang="ko-KR" dirty="0" err="1"/>
-              <a:t>Message.remove</a:t>
-            </a:r>
-            <a:r>
-              <a:rPr lang="en-US" altLang="ko-KR" dirty="0"/>
-              <a:t>(</a:t>
-            </a:r>
-            <a:r>
-              <a:rPr lang="en-US" altLang="ko-KR" dirty="0" err="1"/>
-              <a:t>i</a:t>
-            </a:r>
-            <a:r>
-              <a:rPr lang="en-US" altLang="ko-KR" dirty="0"/>
-              <a:t>)</a:t>
-            </a:r>
-            <a:r>
-              <a:rPr lang="ko-KR" altLang="en-US" dirty="0"/>
-              <a:t>를</a:t>
-            </a:r>
-            <a:r>
-              <a:rPr lang="en-US" altLang="ko-KR" dirty="0"/>
-              <a:t> </a:t>
-            </a:r>
-            <a:r>
-              <a:rPr lang="ko-KR" altLang="en-US" dirty="0"/>
-              <a:t>통해 </a:t>
-            </a:r>
-            <a:r>
-              <a:rPr lang="en-US" altLang="ko-KR" dirty="0" err="1"/>
-              <a:t>i</a:t>
-            </a:r>
-            <a:r>
-              <a:rPr lang="ko-KR" altLang="en-US" dirty="0"/>
-              <a:t>번째 </a:t>
-            </a:r>
-            <a:r>
-              <a:rPr lang="en-US" altLang="ko-KR" dirty="0"/>
-              <a:t>List</a:t>
-            </a:r>
-            <a:r>
-              <a:rPr lang="ko-KR" altLang="en-US" dirty="0"/>
-              <a:t>를 삭제할 수 있습니다</a:t>
-            </a:r>
-            <a:endParaRPr lang="en-US" altLang="ko-KR" dirty="0"/>
-          </a:p>
-        </p:txBody>
-      </p:sp>
-    </p:spTree>
-    <p:extLst>
-      <p:ext uri="{BB962C8B-B14F-4D97-AF65-F5344CB8AC3E}">
-        <p14:creationId xmlns:p14="http://schemas.microsoft.com/office/powerpoint/2010/main" val="792859114"/>
-      </p:ext>
-    </p:extLst>
-  </p:cSld>
-  <p:clrMapOvr>
-    <a:masterClrMapping/>
-  </p:clrMapOvr>
-</p:sld>
-</file>
-
-<file path=ppt/slides/slide2.xml><?xml version="1.0" encoding="utf-8"?>
-<p:sld xmlns:a="http://schemas.openxmlformats.org/drawingml/2006/main" xmlns:r="http://schemas.openxmlformats.org/officeDocument/2006/relationships" xmlns:p="http://schemas.openxmlformats.org/presentationml/2006/main">
-  <p:cSld>
-    <p:spTree>
-      <p:nvGrpSpPr>
-        <p:cNvPr id="1" name=""/>
-        <p:cNvGrpSpPr/>
-        <p:nvPr/>
-      </p:nvGrpSpPr>
-      <p:grpSpPr>
-        <a:xfrm>
-          <a:off x="0" y="0"/>
-          <a:ext cx="0" cy="0"/>
-          <a:chOff x="0" y="0"/>
-          <a:chExt cx="0" cy="0"/>
-        </a:xfrm>
-      </p:grpSpPr>
-      <p:sp>
-        <p:nvSpPr>
-          <p:cNvPr id="2" name="제목 1"/>
-          <p:cNvSpPr>
-            <a:spLocks noGrp="1"/>
-          </p:cNvSpPr>
-          <p:nvPr>
-            <p:ph type="title"/>
-          </p:nvPr>
-        </p:nvSpPr>
-        <p:spPr/>
-        <p:txBody>
-          <a:bodyPr/>
-          <a:lstStyle/>
-          <a:p>
-            <a:r>
-              <a:rPr lang="en-US" altLang="ko-KR" dirty="0">
-                <a:latin typeface="나눔고딕" panose="020D0604000000000000" pitchFamily="50" charset="-127"/>
-                <a:ea typeface="나눔고딕" panose="020D0604000000000000" pitchFamily="50" charset="-127"/>
-              </a:rPr>
-              <a:t>01 Implicit Intent</a:t>
-            </a:r>
-            <a:endParaRPr lang="ko-KR" altLang="en-US" dirty="0">
-              <a:latin typeface="나눔고딕" panose="020D0604000000000000" pitchFamily="50" charset="-127"/>
-              <a:ea typeface="나눔고딕" panose="020D0604000000000000" pitchFamily="50" charset="-127"/>
-            </a:endParaRPr>
-          </a:p>
-        </p:txBody>
-      </p:sp>
-      <p:sp>
-        <p:nvSpPr>
-          <p:cNvPr id="4" name="슬라이드 번호 개체 틀 3"/>
-          <p:cNvSpPr>
-            <a:spLocks noGrp="1"/>
-          </p:cNvSpPr>
-          <p:nvPr>
-            <p:ph type="sldNum" sz="quarter" idx="14"/>
-          </p:nvPr>
-        </p:nvSpPr>
-        <p:spPr/>
-        <p:txBody>
-          <a:bodyPr/>
-          <a:lstStyle/>
-          <a:p>
-            <a:pPr>
-              <a:defRPr/>
-            </a:pPr>
-            <a:fld id="{3D493B47-E977-46F8-8C2F-7DA674317049}" type="slidenum">
-              <a:rPr lang="ko-KR" altLang="en-US" smtClean="0"/>
-              <a:pPr>
-                <a:defRPr/>
-              </a:pPr>
-              <a:t>2</a:t>
-            </a:fld>
-            <a:endParaRPr lang="ko-KR" altLang="en-US"/>
-          </a:p>
-        </p:txBody>
-      </p:sp>
-      <p:sp>
-        <p:nvSpPr>
-          <p:cNvPr id="5" name="내용 개체 틀 4">
-            <a:extLst>
-              <a:ext uri="{FF2B5EF4-FFF2-40B4-BE49-F238E27FC236}">
-                <a16:creationId xmlns:a16="http://schemas.microsoft.com/office/drawing/2014/main" id="{5DA6ACC0-4EB9-4FD3-BB05-04945F559461}"/>
-              </a:ext>
-            </a:extLst>
-          </p:cNvPr>
-          <p:cNvSpPr>
-            <a:spLocks noGrp="1"/>
-          </p:cNvSpPr>
-          <p:nvPr>
-            <p:ph idx="10"/>
-          </p:nvPr>
-        </p:nvSpPr>
-        <p:spPr>
-          <a:xfrm>
-            <a:off x="453100" y="836712"/>
-            <a:ext cx="11248112" cy="5640778"/>
-          </a:xfrm>
-        </p:spPr>
-        <p:txBody>
-          <a:bodyPr/>
-          <a:lstStyle/>
-          <a:p>
-            <a:r>
-              <a:rPr lang="ko-KR" altLang="en-US" dirty="0"/>
-              <a:t>그림과 같이 </a:t>
-            </a:r>
-            <a:r>
-              <a:rPr lang="en-US" altLang="ko-KR" dirty="0"/>
-              <a:t>Layout</a:t>
-            </a:r>
-            <a:r>
-              <a:rPr lang="ko-KR" altLang="en-US" dirty="0"/>
-              <a:t>을 구성한다</a:t>
-            </a:r>
-            <a:endParaRPr lang="en-US" altLang="ko-KR" dirty="0"/>
-          </a:p>
-          <a:p>
-            <a:endParaRPr lang="en-US" altLang="ko-KR" dirty="0"/>
-          </a:p>
-          <a:p>
-            <a:r>
-              <a:rPr lang="en-US" altLang="ko-KR" dirty="0" err="1"/>
-              <a:t>EditText</a:t>
-            </a:r>
-            <a:r>
-              <a:rPr lang="ko-KR" altLang="en-US" dirty="0"/>
-              <a:t>에 있는 내용들은 자유롭게 적어도 된다</a:t>
-            </a:r>
-            <a:endParaRPr lang="en-US" altLang="ko-KR" dirty="0"/>
-          </a:p>
-          <a:p>
-            <a:endParaRPr lang="en-US" altLang="ko-KR" dirty="0"/>
-          </a:p>
-          <a:p>
-            <a:endParaRPr lang="en-US" altLang="ko-KR" dirty="0"/>
-          </a:p>
-        </p:txBody>
-      </p:sp>
-      <p:pic>
-        <p:nvPicPr>
-          <p:cNvPr id="6" name="그림 5" descr="스크린샷이(가) 표시된 사진&#10;&#10;자동 생성된 설명">
-            <a:extLst>
-              <a:ext uri="{FF2B5EF4-FFF2-40B4-BE49-F238E27FC236}">
-                <a16:creationId xmlns:a16="http://schemas.microsoft.com/office/drawing/2014/main" id="{7B2A93B3-BFEA-42B1-918E-331BC81E1123}"/>
-              </a:ext>
-            </a:extLst>
-          </p:cNvPr>
-          <p:cNvPicPr>
-            <a:picLocks noChangeAspect="1"/>
-          </p:cNvPicPr>
-          <p:nvPr/>
-        </p:nvPicPr>
-        <p:blipFill>
-          <a:blip r:embed="rId3">
-            <a:extLst>
-              <a:ext uri="{28A0092B-C50C-407E-A947-70E740481C1C}">
-                <a14:useLocalDpi xmlns:a14="http://schemas.microsoft.com/office/drawing/2010/main" val="0"/>
-              </a:ext>
-            </a:extLst>
-          </a:blip>
-          <a:stretch>
-            <a:fillRect/>
-          </a:stretch>
-        </p:blipFill>
-        <p:spPr>
-          <a:xfrm>
-            <a:off x="5752706" y="1067788"/>
-            <a:ext cx="5928471" cy="5178625"/>
-          </a:xfrm>
-          <a:prstGeom prst="rect">
-            <a:avLst/>
-          </a:prstGeom>
-        </p:spPr>
-      </p:pic>
-      <p:sp>
-        <p:nvSpPr>
-          <p:cNvPr id="11" name="TextBox 10">
-            <a:extLst>
-              <a:ext uri="{FF2B5EF4-FFF2-40B4-BE49-F238E27FC236}">
-                <a16:creationId xmlns:a16="http://schemas.microsoft.com/office/drawing/2014/main" id="{84B788B8-0EF6-45DF-9DA8-ADD96B9A9E9D}"/>
-              </a:ext>
-            </a:extLst>
-          </p:cNvPr>
-          <p:cNvSpPr txBox="1"/>
-          <p:nvPr/>
-        </p:nvSpPr>
-        <p:spPr>
-          <a:xfrm>
-            <a:off x="8896186" y="1585511"/>
-            <a:ext cx="1584176" cy="369332"/>
-          </a:xfrm>
-          <a:prstGeom prst="rect">
-            <a:avLst/>
-          </a:prstGeom>
-          <a:noFill/>
-        </p:spPr>
-        <p:txBody>
-          <a:bodyPr wrap="square" rtlCol="0">
-            <a:spAutoFit/>
-          </a:bodyPr>
-          <a:lstStyle/>
-          <a:p>
-            <a:r>
-              <a:rPr lang="en-US" altLang="ko-KR" dirty="0">
-                <a:solidFill>
-                  <a:schemeClr val="bg1"/>
-                </a:solidFill>
-              </a:rPr>
-              <a:t>Button</a:t>
-            </a:r>
-            <a:endParaRPr lang="ko-KR" altLang="en-US" dirty="0">
-              <a:solidFill>
-                <a:schemeClr val="bg1"/>
-              </a:solidFill>
-            </a:endParaRPr>
-          </a:p>
-        </p:txBody>
-      </p:sp>
-      <p:sp>
-        <p:nvSpPr>
-          <p:cNvPr id="12" name="TextBox 11">
-            <a:extLst>
-              <a:ext uri="{FF2B5EF4-FFF2-40B4-BE49-F238E27FC236}">
-                <a16:creationId xmlns:a16="http://schemas.microsoft.com/office/drawing/2014/main" id="{3E698EE5-6201-417D-90FD-BAD31688F4B0}"/>
-              </a:ext>
-            </a:extLst>
-          </p:cNvPr>
-          <p:cNvSpPr txBox="1"/>
-          <p:nvPr/>
-        </p:nvSpPr>
-        <p:spPr>
-          <a:xfrm>
-            <a:off x="8916221" y="1216179"/>
-            <a:ext cx="1584176" cy="369332"/>
-          </a:xfrm>
-          <a:prstGeom prst="rect">
-            <a:avLst/>
-          </a:prstGeom>
-          <a:noFill/>
-        </p:spPr>
-        <p:txBody>
-          <a:bodyPr wrap="square" rtlCol="0">
-            <a:spAutoFit/>
-          </a:bodyPr>
-          <a:lstStyle/>
-          <a:p>
-            <a:r>
-              <a:rPr lang="en-US" altLang="ko-KR" dirty="0" err="1">
-                <a:solidFill>
-                  <a:schemeClr val="bg1"/>
-                </a:solidFill>
-              </a:rPr>
-              <a:t>EditText</a:t>
-            </a:r>
-            <a:endParaRPr lang="ko-KR" altLang="en-US" dirty="0">
-              <a:solidFill>
-                <a:schemeClr val="bg1"/>
-              </a:solidFill>
-            </a:endParaRPr>
-          </a:p>
-        </p:txBody>
-      </p:sp>
-      <p:sp>
-        <p:nvSpPr>
-          <p:cNvPr id="13" name="TextBox 12">
-            <a:extLst>
-              <a:ext uri="{FF2B5EF4-FFF2-40B4-BE49-F238E27FC236}">
-                <a16:creationId xmlns:a16="http://schemas.microsoft.com/office/drawing/2014/main" id="{8CE04E7D-8B7A-4409-B580-B29C0762B1C2}"/>
-              </a:ext>
-            </a:extLst>
-          </p:cNvPr>
-          <p:cNvSpPr txBox="1"/>
-          <p:nvPr/>
-        </p:nvSpPr>
-        <p:spPr>
-          <a:xfrm>
-            <a:off x="8876151" y="2411045"/>
-            <a:ext cx="1584176" cy="369332"/>
-          </a:xfrm>
-          <a:prstGeom prst="rect">
-            <a:avLst/>
-          </a:prstGeom>
-          <a:noFill/>
-        </p:spPr>
-        <p:txBody>
-          <a:bodyPr wrap="square" rtlCol="0">
-            <a:spAutoFit/>
-          </a:bodyPr>
-          <a:lstStyle/>
-          <a:p>
-            <a:r>
-              <a:rPr lang="en-US" altLang="ko-KR" dirty="0">
-                <a:solidFill>
-                  <a:schemeClr val="bg1"/>
-                </a:solidFill>
-              </a:rPr>
-              <a:t>Button</a:t>
-            </a:r>
-            <a:endParaRPr lang="ko-KR" altLang="en-US" dirty="0">
-              <a:solidFill>
-                <a:schemeClr val="bg1"/>
-              </a:solidFill>
-            </a:endParaRPr>
-          </a:p>
-        </p:txBody>
-      </p:sp>
-      <p:sp>
-        <p:nvSpPr>
-          <p:cNvPr id="14" name="TextBox 13">
-            <a:extLst>
-              <a:ext uri="{FF2B5EF4-FFF2-40B4-BE49-F238E27FC236}">
-                <a16:creationId xmlns:a16="http://schemas.microsoft.com/office/drawing/2014/main" id="{41A4614D-096F-44E6-AB68-D11E889D2E3A}"/>
-              </a:ext>
-            </a:extLst>
-          </p:cNvPr>
-          <p:cNvSpPr txBox="1"/>
-          <p:nvPr/>
-        </p:nvSpPr>
-        <p:spPr>
-          <a:xfrm>
-            <a:off x="8896186" y="2041713"/>
-            <a:ext cx="1584176" cy="369332"/>
-          </a:xfrm>
-          <a:prstGeom prst="rect">
-            <a:avLst/>
-          </a:prstGeom>
-          <a:noFill/>
-        </p:spPr>
-        <p:txBody>
-          <a:bodyPr wrap="square" rtlCol="0">
-            <a:spAutoFit/>
-          </a:bodyPr>
-          <a:lstStyle/>
-          <a:p>
-            <a:r>
-              <a:rPr lang="en-US" altLang="ko-KR" dirty="0" err="1">
-                <a:solidFill>
-                  <a:schemeClr val="bg1"/>
-                </a:solidFill>
-              </a:rPr>
-              <a:t>EditText</a:t>
-            </a:r>
-            <a:endParaRPr lang="ko-KR" altLang="en-US" dirty="0">
-              <a:solidFill>
-                <a:schemeClr val="bg1"/>
-              </a:solidFill>
-            </a:endParaRPr>
-          </a:p>
-        </p:txBody>
-      </p:sp>
-      <p:sp>
-        <p:nvSpPr>
-          <p:cNvPr id="15" name="TextBox 14">
-            <a:extLst>
-              <a:ext uri="{FF2B5EF4-FFF2-40B4-BE49-F238E27FC236}">
-                <a16:creationId xmlns:a16="http://schemas.microsoft.com/office/drawing/2014/main" id="{0C9EBA06-24E8-4D46-A799-8CFFE5FACF8C}"/>
-              </a:ext>
-            </a:extLst>
-          </p:cNvPr>
-          <p:cNvSpPr txBox="1"/>
-          <p:nvPr/>
-        </p:nvSpPr>
-        <p:spPr>
-          <a:xfrm>
-            <a:off x="8876151" y="3121192"/>
-            <a:ext cx="1584176" cy="369332"/>
-          </a:xfrm>
-          <a:prstGeom prst="rect">
-            <a:avLst/>
-          </a:prstGeom>
-          <a:noFill/>
-        </p:spPr>
-        <p:txBody>
-          <a:bodyPr wrap="square" rtlCol="0">
-            <a:spAutoFit/>
-          </a:bodyPr>
-          <a:lstStyle/>
-          <a:p>
-            <a:r>
-              <a:rPr lang="en-US" altLang="ko-KR" dirty="0">
-                <a:solidFill>
-                  <a:schemeClr val="bg1"/>
-                </a:solidFill>
-              </a:rPr>
-              <a:t>Button</a:t>
-            </a:r>
-            <a:endParaRPr lang="ko-KR" altLang="en-US" dirty="0">
-              <a:solidFill>
-                <a:schemeClr val="bg1"/>
-              </a:solidFill>
-            </a:endParaRPr>
-          </a:p>
-        </p:txBody>
-      </p:sp>
-      <p:sp>
-        <p:nvSpPr>
-          <p:cNvPr id="16" name="TextBox 15">
-            <a:extLst>
-              <a:ext uri="{FF2B5EF4-FFF2-40B4-BE49-F238E27FC236}">
-                <a16:creationId xmlns:a16="http://schemas.microsoft.com/office/drawing/2014/main" id="{1C749C4C-9DC2-4765-8D7B-13129D6F0D95}"/>
-              </a:ext>
-            </a:extLst>
-          </p:cNvPr>
-          <p:cNvSpPr txBox="1"/>
-          <p:nvPr/>
-        </p:nvSpPr>
-        <p:spPr>
-          <a:xfrm>
-            <a:off x="8896186" y="2751860"/>
-            <a:ext cx="1584176" cy="369332"/>
-          </a:xfrm>
-          <a:prstGeom prst="rect">
-            <a:avLst/>
-          </a:prstGeom>
-          <a:noFill/>
-        </p:spPr>
-        <p:txBody>
-          <a:bodyPr wrap="square" rtlCol="0">
-            <a:spAutoFit/>
-          </a:bodyPr>
-          <a:lstStyle/>
-          <a:p>
-            <a:r>
-              <a:rPr lang="en-US" altLang="ko-KR" dirty="0" err="1">
-                <a:solidFill>
-                  <a:schemeClr val="bg1"/>
-                </a:solidFill>
-              </a:rPr>
-              <a:t>EditText</a:t>
-            </a:r>
-            <a:endParaRPr lang="ko-KR" altLang="en-US" dirty="0">
-              <a:solidFill>
-                <a:schemeClr val="bg1"/>
-              </a:solidFill>
-            </a:endParaRPr>
-          </a:p>
-        </p:txBody>
-      </p:sp>
-    </p:spTree>
-    <p:extLst>
-      <p:ext uri="{BB962C8B-B14F-4D97-AF65-F5344CB8AC3E}">
-        <p14:creationId xmlns:p14="http://schemas.microsoft.com/office/powerpoint/2010/main" val="3683291654"/>
-      </p:ext>
-    </p:extLst>
-  </p:cSld>
-  <p:clrMapOvr>
-    <a:masterClrMapping/>
-  </p:clrMapOvr>
-</p:sld>
-</file>
-
-<file path=ppt/slides/slide3.xml><?xml version="1.0" encoding="utf-8"?>
-<p:sld xmlns:a="http://schemas.openxmlformats.org/drawingml/2006/main" xmlns:r="http://schemas.openxmlformats.org/officeDocument/2006/relationships" xmlns:p="http://schemas.openxmlformats.org/presentationml/2006/main">
-  <p:cSld>
-    <p:spTree>
-      <p:nvGrpSpPr>
-        <p:cNvPr id="1" name=""/>
-        <p:cNvGrpSpPr/>
-        <p:nvPr/>
-      </p:nvGrpSpPr>
-      <p:grpSpPr>
-        <a:xfrm>
-          <a:off x="0" y="0"/>
-          <a:ext cx="0" cy="0"/>
-          <a:chOff x="0" y="0"/>
-          <a:chExt cx="0" cy="0"/>
-        </a:xfrm>
-      </p:grpSpPr>
-      <p:sp>
-        <p:nvSpPr>
-          <p:cNvPr id="2" name="제목 1"/>
-          <p:cNvSpPr>
-            <a:spLocks noGrp="1"/>
-          </p:cNvSpPr>
-          <p:nvPr>
-            <p:ph type="title"/>
-          </p:nvPr>
-        </p:nvSpPr>
-        <p:spPr/>
-        <p:txBody>
-          <a:bodyPr/>
-          <a:lstStyle/>
-          <a:p>
-            <a:r>
-              <a:rPr lang="en-US" altLang="ko-KR" dirty="0">
-                <a:latin typeface="나눔고딕" panose="020D0604000000000000" pitchFamily="50" charset="-127"/>
-                <a:ea typeface="나눔고딕" panose="020D0604000000000000" pitchFamily="50" charset="-127"/>
-              </a:rPr>
-              <a:t>01 Implicit Intent</a:t>
-            </a:r>
-            <a:endParaRPr lang="ko-KR" altLang="en-US" dirty="0">
-              <a:latin typeface="나눔고딕" panose="020D0604000000000000" pitchFamily="50" charset="-127"/>
-              <a:ea typeface="나눔고딕" panose="020D0604000000000000" pitchFamily="50" charset="-127"/>
-            </a:endParaRPr>
-          </a:p>
-        </p:txBody>
-      </p:sp>
-      <p:sp>
-        <p:nvSpPr>
-          <p:cNvPr id="4" name="슬라이드 번호 개체 틀 3"/>
-          <p:cNvSpPr>
-            <a:spLocks noGrp="1"/>
-          </p:cNvSpPr>
-          <p:nvPr>
-            <p:ph type="sldNum" sz="quarter" idx="14"/>
-          </p:nvPr>
-        </p:nvSpPr>
-        <p:spPr/>
-        <p:txBody>
-          <a:bodyPr/>
-          <a:lstStyle/>
-          <a:p>
-            <a:pPr>
-              <a:defRPr/>
-            </a:pPr>
-            <a:fld id="{3D493B47-E977-46F8-8C2F-7DA674317049}" type="slidenum">
-              <a:rPr lang="ko-KR" altLang="en-US" smtClean="0"/>
-              <a:pPr>
-                <a:defRPr/>
-              </a:pPr>
-              <a:t>3</a:t>
-            </a:fld>
-            <a:endParaRPr lang="ko-KR" altLang="en-US"/>
-          </a:p>
-        </p:txBody>
-      </p:sp>
-      <p:sp>
-        <p:nvSpPr>
-          <p:cNvPr id="5" name="내용 개체 틀 4">
-            <a:extLst>
-              <a:ext uri="{FF2B5EF4-FFF2-40B4-BE49-F238E27FC236}">
-                <a16:creationId xmlns:a16="http://schemas.microsoft.com/office/drawing/2014/main" id="{5DA6ACC0-4EB9-4FD3-BB05-04945F559461}"/>
-              </a:ext>
-            </a:extLst>
-          </p:cNvPr>
-          <p:cNvSpPr>
-            <a:spLocks noGrp="1"/>
-          </p:cNvSpPr>
-          <p:nvPr>
-            <p:ph idx="10"/>
-          </p:nvPr>
-        </p:nvSpPr>
-        <p:spPr>
-          <a:xfrm>
-            <a:off x="453100" y="836712"/>
-            <a:ext cx="11248112" cy="5640778"/>
-          </a:xfrm>
-        </p:spPr>
-        <p:txBody>
-          <a:bodyPr>
-            <a:normAutofit fontScale="92500" lnSpcReduction="10000"/>
-          </a:bodyPr>
-          <a:lstStyle/>
-          <a:p>
-            <a:r>
-              <a:rPr lang="en-US" altLang="ko-KR" b="1" dirty="0"/>
-              <a:t>Website</a:t>
-            </a:r>
-          </a:p>
-          <a:p>
-            <a:pPr lvl="1"/>
-            <a:r>
-              <a:rPr lang="en-US" altLang="ko-KR" dirty="0" err="1"/>
-              <a:t>EditText</a:t>
-            </a:r>
-            <a:r>
-              <a:rPr lang="ko-KR" altLang="en-US" dirty="0"/>
-              <a:t>에서 내용을 가져와 문자열로 저장한다</a:t>
-            </a:r>
-            <a:endParaRPr lang="en-US" altLang="ko-KR" dirty="0"/>
-          </a:p>
-          <a:p>
-            <a:pPr lvl="1"/>
-            <a:r>
-              <a:rPr lang="en-US" altLang="ko-KR" dirty="0"/>
-              <a:t>Uri </a:t>
-            </a:r>
-            <a:r>
-              <a:rPr lang="ko-KR" altLang="en-US" dirty="0"/>
-              <a:t>타입의 변수를 선언한 뒤 </a:t>
-            </a:r>
-            <a:r>
-              <a:rPr lang="en-US" altLang="ko-KR" dirty="0" err="1"/>
-              <a:t>Uri.parse</a:t>
-            </a:r>
-            <a:r>
-              <a:rPr lang="en-US" altLang="ko-KR" dirty="0"/>
-              <a:t>(content)</a:t>
-            </a:r>
-            <a:r>
-              <a:rPr lang="ko-KR" altLang="en-US" dirty="0"/>
-              <a:t>로 </a:t>
-            </a:r>
-            <a:r>
-              <a:rPr lang="en-US" altLang="ko-KR" dirty="0"/>
-              <a:t>Uri </a:t>
-            </a:r>
-            <a:r>
-              <a:rPr lang="ko-KR" altLang="en-US" dirty="0"/>
-              <a:t>타입으로 바꿔준다</a:t>
-            </a:r>
-            <a:endParaRPr lang="en-US" altLang="ko-KR" dirty="0"/>
-          </a:p>
-          <a:p>
-            <a:pPr lvl="2"/>
-            <a:r>
-              <a:rPr lang="en-US" altLang="ko-KR" dirty="0"/>
-              <a:t>content</a:t>
-            </a:r>
-            <a:r>
-              <a:rPr lang="ko-KR" altLang="en-US" dirty="0"/>
-              <a:t>는 </a:t>
-            </a:r>
-            <a:r>
-              <a:rPr lang="en-US" altLang="ko-KR" dirty="0" err="1"/>
-              <a:t>EditText</a:t>
-            </a:r>
-            <a:r>
-              <a:rPr lang="ko-KR" altLang="en-US" dirty="0"/>
-              <a:t>에서 가져온 내용을 문자열로 저장한 변수</a:t>
-            </a:r>
-            <a:endParaRPr lang="en-US" altLang="ko-KR" dirty="0"/>
-          </a:p>
-          <a:p>
-            <a:pPr lvl="1"/>
-            <a:r>
-              <a:rPr lang="en-US" altLang="ko-KR" dirty="0"/>
-              <a:t>Intent </a:t>
-            </a:r>
-            <a:r>
-              <a:rPr lang="ko-KR" altLang="en-US" dirty="0"/>
-              <a:t>형 변수 </a:t>
-            </a:r>
-            <a:r>
-              <a:rPr lang="en-US" altLang="ko-KR" dirty="0"/>
-              <a:t>ACTION_VIEW, Uri </a:t>
-            </a:r>
-            <a:r>
-              <a:rPr lang="ko-KR" altLang="en-US" dirty="0"/>
-              <a:t>를 포함하여 선언한다</a:t>
-            </a:r>
-            <a:endParaRPr lang="en-US" altLang="ko-KR" dirty="0"/>
-          </a:p>
-          <a:p>
-            <a:pPr lvl="1"/>
-            <a:r>
-              <a:rPr lang="en-US" altLang="ko-KR" dirty="0" err="1"/>
-              <a:t>Intent.resolveActivity</a:t>
-            </a:r>
-            <a:r>
-              <a:rPr lang="en-US" altLang="ko-KR" dirty="0"/>
-              <a:t>(</a:t>
-            </a:r>
-            <a:r>
-              <a:rPr lang="en-US" altLang="ko-KR" dirty="0" err="1"/>
-              <a:t>getPackageManager</a:t>
-            </a:r>
-            <a:r>
-              <a:rPr lang="en-US" altLang="ko-KR" dirty="0"/>
-              <a:t>()) </a:t>
-            </a:r>
-            <a:r>
-              <a:rPr lang="ko-KR" altLang="en-US" dirty="0"/>
-              <a:t>가</a:t>
-            </a:r>
-            <a:r>
-              <a:rPr lang="en-US" altLang="ko-KR" dirty="0"/>
-              <a:t> null </a:t>
-            </a:r>
-            <a:r>
-              <a:rPr lang="ko-KR" altLang="en-US" dirty="0"/>
-              <a:t>인지 아닌지 확인한다</a:t>
-            </a:r>
-            <a:endParaRPr lang="en-US" altLang="ko-KR" dirty="0"/>
-          </a:p>
-          <a:p>
-            <a:pPr lvl="2"/>
-            <a:r>
-              <a:rPr lang="en-US" altLang="ko-KR" dirty="0"/>
-              <a:t>Null</a:t>
-            </a:r>
-            <a:r>
-              <a:rPr lang="ko-KR" altLang="en-US" dirty="0"/>
-              <a:t>이 아니면 </a:t>
-            </a:r>
-            <a:r>
-              <a:rPr lang="en-US" altLang="ko-KR" dirty="0"/>
-              <a:t>intent</a:t>
-            </a:r>
-            <a:r>
-              <a:rPr lang="ko-KR" altLang="en-US" dirty="0"/>
-              <a:t>를 포함해 </a:t>
-            </a:r>
-            <a:r>
-              <a:rPr lang="en-US" altLang="ko-KR" dirty="0"/>
-              <a:t>Activity</a:t>
-            </a:r>
-            <a:r>
-              <a:rPr lang="ko-KR" altLang="en-US" dirty="0"/>
-              <a:t>를 실행한다</a:t>
-            </a:r>
-            <a:endParaRPr lang="en-US" altLang="ko-KR" dirty="0"/>
-          </a:p>
-          <a:p>
-            <a:r>
-              <a:rPr lang="en-US" altLang="ko-KR" b="1" dirty="0"/>
-              <a:t>Location</a:t>
-            </a:r>
-          </a:p>
-          <a:p>
-            <a:pPr lvl="1"/>
-            <a:r>
-              <a:rPr lang="en-US" altLang="ko-KR" dirty="0"/>
-              <a:t>Website</a:t>
-            </a:r>
-            <a:r>
-              <a:rPr lang="ko-KR" altLang="en-US" dirty="0"/>
-              <a:t>의 과정과 대부분 동일하다</a:t>
-            </a:r>
-            <a:endParaRPr lang="en-US" altLang="ko-KR" dirty="0"/>
-          </a:p>
-          <a:p>
-            <a:pPr lvl="1"/>
-            <a:r>
-              <a:rPr lang="en-US" altLang="ko-KR" dirty="0"/>
-              <a:t>Uri </a:t>
-            </a:r>
-            <a:r>
-              <a:rPr lang="ko-KR" altLang="en-US" dirty="0"/>
-              <a:t>타입의 변수를 선언할 때</a:t>
-            </a:r>
-            <a:r>
-              <a:rPr lang="en-US" altLang="ko-KR" dirty="0"/>
-              <a:t>, </a:t>
-            </a:r>
-            <a:r>
-              <a:rPr lang="en-US" altLang="ko-KR" dirty="0" err="1"/>
-              <a:t>Uri.parse</a:t>
-            </a:r>
-            <a:r>
-              <a:rPr lang="en-US" altLang="ko-KR" dirty="0"/>
-              <a:t>(“geo:0,0?q=“ + content)</a:t>
-            </a:r>
-            <a:r>
-              <a:rPr lang="ko-KR" altLang="en-US" dirty="0"/>
-              <a:t>로 선언한다</a:t>
-            </a:r>
-            <a:endParaRPr lang="en-US" altLang="ko-KR" dirty="0"/>
-          </a:p>
-          <a:p>
-            <a:r>
-              <a:rPr lang="en-US" altLang="ko-KR" b="1" dirty="0"/>
-              <a:t>Share</a:t>
-            </a:r>
-          </a:p>
-          <a:p>
-            <a:pPr lvl="1"/>
-            <a:r>
-              <a:rPr lang="en-US" altLang="ko-KR" dirty="0" err="1"/>
-              <a:t>EditText</a:t>
-            </a:r>
-            <a:r>
-              <a:rPr lang="ko-KR" altLang="en-US" dirty="0"/>
-              <a:t>에서 내용을 가져와 문자열로 저장한다</a:t>
-            </a:r>
-            <a:endParaRPr lang="en-US" altLang="ko-KR" dirty="0"/>
-          </a:p>
-          <a:p>
-            <a:pPr lvl="1"/>
-            <a:r>
-              <a:rPr lang="en-US" altLang="ko-KR" dirty="0" err="1"/>
-              <a:t>mimeType</a:t>
-            </a:r>
-            <a:r>
-              <a:rPr lang="en-US" altLang="ko-KR" dirty="0"/>
-              <a:t> </a:t>
-            </a:r>
-            <a:r>
-              <a:rPr lang="ko-KR" altLang="en-US" dirty="0"/>
-              <a:t>이라는 </a:t>
-            </a:r>
-            <a:r>
-              <a:rPr lang="en-US" altLang="ko-KR" dirty="0"/>
-              <a:t>String</a:t>
-            </a:r>
-            <a:r>
-              <a:rPr lang="ko-KR" altLang="en-US" dirty="0"/>
-              <a:t>형 변수에 </a:t>
-            </a:r>
-            <a:r>
-              <a:rPr lang="en-US" altLang="ko-KR" dirty="0"/>
-              <a:t>“text/plain”</a:t>
-            </a:r>
-            <a:r>
-              <a:rPr lang="ko-KR" altLang="en-US" dirty="0"/>
-              <a:t>을 저장한다</a:t>
-            </a:r>
-            <a:endParaRPr lang="en-US" altLang="ko-KR" dirty="0"/>
-          </a:p>
-          <a:p>
-            <a:pPr lvl="1"/>
-            <a:r>
-              <a:rPr lang="en-US" altLang="ko-KR" dirty="0" err="1"/>
-              <a:t>ShareCompat.IntentBuilder</a:t>
-            </a:r>
-            <a:endParaRPr lang="en-US" altLang="ko-KR" dirty="0"/>
-          </a:p>
-          <a:p>
-            <a:pPr lvl="1"/>
-            <a:r>
-              <a:rPr lang="en-US" altLang="ko-KR" dirty="0"/>
-              <a:t>                .from(this)</a:t>
-            </a:r>
-          </a:p>
-          <a:p>
-            <a:pPr lvl="1"/>
-            <a:r>
-              <a:rPr lang="en-US" altLang="ko-KR" dirty="0"/>
-              <a:t>                .</a:t>
-            </a:r>
-            <a:r>
-              <a:rPr lang="en-US" altLang="ko-KR" dirty="0" err="1"/>
-              <a:t>setType</a:t>
-            </a:r>
-            <a:r>
-              <a:rPr lang="en-US" altLang="ko-KR" dirty="0"/>
-              <a:t>(</a:t>
-            </a:r>
-            <a:r>
-              <a:rPr lang="en-US" altLang="ko-KR" dirty="0" err="1"/>
-              <a:t>mimeType</a:t>
-            </a:r>
-            <a:r>
-              <a:rPr lang="en-US" altLang="ko-KR" dirty="0"/>
-              <a:t>)</a:t>
-            </a:r>
-          </a:p>
-          <a:p>
-            <a:pPr lvl="1"/>
-            <a:r>
-              <a:rPr lang="en-US" altLang="ko-KR" dirty="0"/>
-              <a:t>                .</a:t>
-            </a:r>
-            <a:r>
-              <a:rPr lang="en-US" altLang="ko-KR" dirty="0" err="1"/>
-              <a:t>setChooserTitle</a:t>
-            </a:r>
-            <a:r>
-              <a:rPr lang="en-US" altLang="ko-KR" dirty="0"/>
-              <a:t>(title) // title</a:t>
-            </a:r>
-            <a:r>
-              <a:rPr lang="ko-KR" altLang="en-US" dirty="0"/>
-              <a:t>에는 </a:t>
-            </a:r>
-            <a:r>
-              <a:rPr lang="en-US" altLang="ko-KR" dirty="0"/>
-              <a:t>String</a:t>
-            </a:r>
-            <a:r>
-              <a:rPr lang="ko-KR" altLang="en-US" dirty="0"/>
-              <a:t>을 넣는다</a:t>
-            </a:r>
-            <a:endParaRPr lang="en-US" altLang="ko-KR" dirty="0"/>
-          </a:p>
-          <a:p>
-            <a:pPr lvl="1"/>
-            <a:r>
-              <a:rPr lang="en-US" altLang="ko-KR" dirty="0"/>
-              <a:t>                .</a:t>
-            </a:r>
-            <a:r>
-              <a:rPr lang="en-US" altLang="ko-KR" dirty="0" err="1"/>
-              <a:t>setText</a:t>
-            </a:r>
-            <a:r>
-              <a:rPr lang="en-US" altLang="ko-KR" dirty="0"/>
-              <a:t>(content) // content</a:t>
-            </a:r>
-            <a:r>
-              <a:rPr lang="ko-KR" altLang="en-US" dirty="0"/>
-              <a:t>는 </a:t>
-            </a:r>
-            <a:r>
-              <a:rPr lang="en-US" altLang="ko-KR" dirty="0" err="1"/>
-              <a:t>EditeText</a:t>
-            </a:r>
-            <a:r>
-              <a:rPr lang="ko-KR" altLang="en-US" dirty="0"/>
-              <a:t>에서 가져온 내용을 문자열로 저장한 변수</a:t>
-            </a:r>
-            <a:endParaRPr lang="en-US" altLang="ko-KR" dirty="0"/>
-          </a:p>
-          <a:p>
-            <a:pPr lvl="1"/>
-            <a:r>
-              <a:rPr lang="en-US" altLang="ko-KR" dirty="0"/>
-              <a:t>                .</a:t>
-            </a:r>
-            <a:r>
-              <a:rPr lang="en-US" altLang="ko-KR" dirty="0" err="1"/>
-              <a:t>startChooser</a:t>
-            </a:r>
-            <a:r>
-              <a:rPr lang="en-US" altLang="ko-KR" dirty="0"/>
-              <a:t>();</a:t>
-            </a:r>
-          </a:p>
-          <a:p>
-            <a:endParaRPr lang="en-US" altLang="ko-KR" dirty="0"/>
-          </a:p>
-        </p:txBody>
-      </p:sp>
-    </p:spTree>
-    <p:extLst>
-      <p:ext uri="{BB962C8B-B14F-4D97-AF65-F5344CB8AC3E}">
-        <p14:creationId xmlns:p14="http://schemas.microsoft.com/office/powerpoint/2010/main" val="2599552800"/>
-      </p:ext>
-    </p:extLst>
-  </p:cSld>
-  <p:clrMapOvr>
-    <a:masterClrMapping/>
-  </p:clrMapOvr>
-</p:sld>
-</file>
-
-<file path=ppt/slides/slide4.xml><?xml version="1.0" encoding="utf-8"?>
-<p:sld xmlns:a="http://schemas.openxmlformats.org/drawingml/2006/main" xmlns:r="http://schemas.openxmlformats.org/officeDocument/2006/relationships" xmlns:p="http://schemas.openxmlformats.org/presentationml/2006/main">
-  <p:cSld>
-    <p:spTree>
-      <p:nvGrpSpPr>
-        <p:cNvPr id="1" name=""/>
-        <p:cNvGrpSpPr/>
-        <p:nvPr/>
-      </p:nvGrpSpPr>
-      <p:grpSpPr>
-        <a:xfrm>
-          <a:off x="0" y="0"/>
-          <a:ext cx="0" cy="0"/>
-          <a:chOff x="0" y="0"/>
-          <a:chExt cx="0" cy="0"/>
-        </a:xfrm>
-      </p:grpSpPr>
-      <p:sp>
-        <p:nvSpPr>
-          <p:cNvPr id="2" name="제목 1"/>
-          <p:cNvSpPr>
-            <a:spLocks noGrp="1"/>
-          </p:cNvSpPr>
-          <p:nvPr>
-            <p:ph type="title"/>
-          </p:nvPr>
-        </p:nvSpPr>
-        <p:spPr/>
-        <p:txBody>
-          <a:bodyPr/>
-          <a:lstStyle/>
-          <a:p>
-            <a:r>
-              <a:rPr lang="en-US" altLang="ko-KR" dirty="0">
-                <a:latin typeface="나눔고딕" panose="020D0604000000000000" pitchFamily="50" charset="-127"/>
-                <a:ea typeface="나눔고딕" panose="020D0604000000000000" pitchFamily="50" charset="-127"/>
-              </a:rPr>
-              <a:t>02-01 Messenger</a:t>
-            </a:r>
-            <a:endParaRPr lang="ko-KR" altLang="en-US" dirty="0">
-              <a:latin typeface="나눔고딕" panose="020D0604000000000000" pitchFamily="50" charset="-127"/>
-              <a:ea typeface="나눔고딕" panose="020D0604000000000000" pitchFamily="50" charset="-127"/>
-            </a:endParaRPr>
-          </a:p>
-        </p:txBody>
-      </p:sp>
-      <p:sp>
-        <p:nvSpPr>
-          <p:cNvPr id="4" name="슬라이드 번호 개체 틀 3"/>
-          <p:cNvSpPr>
-            <a:spLocks noGrp="1"/>
-          </p:cNvSpPr>
-          <p:nvPr>
-            <p:ph type="sldNum" sz="quarter" idx="14"/>
-          </p:nvPr>
-        </p:nvSpPr>
-        <p:spPr/>
-        <p:txBody>
-          <a:bodyPr/>
-          <a:lstStyle/>
-          <a:p>
-            <a:pPr>
-              <a:defRPr/>
-            </a:pPr>
-            <a:fld id="{3D493B47-E977-46F8-8C2F-7DA674317049}" type="slidenum">
-              <a:rPr lang="ko-KR" altLang="en-US" smtClean="0"/>
-              <a:pPr>
-                <a:defRPr/>
-              </a:pPr>
-              <a:t>4</a:t>
             </a:fld>
             <a:endParaRPr lang="ko-KR" altLang="en-US"/>
           </a:p>
@@ -5566,7 +3915,7 @@
 </p:sld>
 </file>
 
-<file path=ppt/slides/slide5.xml><?xml version="1.0" encoding="utf-8"?>
+<file path=ppt/slides/slide2.xml><?xml version="1.0" encoding="utf-8"?>
 <p:sld xmlns:a="http://schemas.openxmlformats.org/drawingml/2006/main" xmlns:r="http://schemas.openxmlformats.org/officeDocument/2006/relationships" xmlns:p="http://schemas.openxmlformats.org/presentationml/2006/main">
   <p:cSld>
     <p:spTree>
@@ -5603,7 +3952,7 @@
                 <a:latin typeface="나눔고딕" panose="020D0604000000000000" pitchFamily="50" charset="-127"/>
                 <a:ea typeface="나눔고딕" panose="020D0604000000000000" pitchFamily="50" charset="-127"/>
               </a:rPr>
-              <a:t>02-01 Messenger</a:t>
+              <a:t>01-01 Messenger</a:t>
             </a:r>
             <a:endParaRPr lang="ko-KR" altLang="en-US" dirty="0">
               <a:latin typeface="나눔고딕" panose="020D0604000000000000" pitchFamily="50" charset="-127"/>
@@ -5635,7 +3984,7 @@
               <a:pPr>
                 <a:defRPr/>
               </a:pPr>
-              <a:t>5</a:t>
+              <a:t>2</a:t>
             </a:fld>
             <a:endParaRPr lang="ko-KR" altLang="en-US"/>
           </a:p>
@@ -6386,7 +4735,7 @@
 </p:sld>
 </file>
 
-<file path=ppt/slides/slide6.xml><?xml version="1.0" encoding="utf-8"?>
+<file path=ppt/slides/slide3.xml><?xml version="1.0" encoding="utf-8"?>
 <p:sld xmlns:a="http://schemas.openxmlformats.org/drawingml/2006/main" xmlns:r="http://schemas.openxmlformats.org/officeDocument/2006/relationships" xmlns:p="http://schemas.openxmlformats.org/presentationml/2006/main">
   <p:cSld>
     <p:spTree>
@@ -6428,7 +4777,7 @@
                 <a:latin typeface="나눔고딕" panose="020D0604000000000000" pitchFamily="50" charset="-127"/>
                 <a:ea typeface="나눔고딕" panose="020D0604000000000000" pitchFamily="50" charset="-127"/>
               </a:rPr>
-              <a:t>02-01 Messenger</a:t>
+              <a:t>01-01 Messenger</a:t>
             </a:r>
             <a:endParaRPr lang="ko-KR" altLang="en-US" dirty="0">
               <a:latin typeface="나눔고딕" panose="020D0604000000000000" pitchFamily="50" charset="-127"/>
@@ -6460,7 +4809,7 @@
               <a:pPr>
                 <a:defRPr/>
               </a:pPr>
-              <a:t>6</a:t>
+              <a:t>3</a:t>
             </a:fld>
             <a:endParaRPr lang="ko-KR" altLang="en-US"/>
           </a:p>
@@ -6860,7 +5209,7 @@
             <a:pPr lvl="1"/>
             <a:r>
               <a:rPr lang="en-US" altLang="ko-KR" b="1" dirty="0" err="1"/>
-              <a:t>Intent.getExtra</a:t>
+              <a:t>Intent.getStringExtra</a:t>
             </a:r>
             <a:r>
               <a:rPr lang="en-US" altLang="ko-KR" b="1" dirty="0"/>
@@ -6935,7 +5284,7 @@
 </p:sld>
 </file>
 
-<file path=ppt/slides/slide7.xml><?xml version="1.0" encoding="utf-8"?>
+<file path=ppt/slides/slide4.xml><?xml version="1.0" encoding="utf-8"?>
 <p:sld xmlns:a="http://schemas.openxmlformats.org/drawingml/2006/main" xmlns:r="http://schemas.openxmlformats.org/officeDocument/2006/relationships" xmlns:p="http://schemas.openxmlformats.org/presentationml/2006/main">
   <p:cSld>
     <p:spTree>
@@ -6972,7 +5321,7 @@
                 <a:latin typeface="나눔고딕" panose="020D0604000000000000" pitchFamily="50" charset="-127"/>
                 <a:ea typeface="나눔고딕" panose="020D0604000000000000" pitchFamily="50" charset="-127"/>
               </a:rPr>
-              <a:t>02-02 Messenger</a:t>
+              <a:t>01-02 Messenger</a:t>
             </a:r>
             <a:endParaRPr lang="ko-KR" altLang="en-US" dirty="0">
               <a:latin typeface="나눔고딕" panose="020D0604000000000000" pitchFamily="50" charset="-127"/>
@@ -7004,7 +5353,7 @@
               <a:pPr>
                 <a:defRPr/>
               </a:pPr>
-              <a:t>7</a:t>
+              <a:t>4</a:t>
             </a:fld>
             <a:endParaRPr lang="ko-KR" altLang="en-US"/>
           </a:p>
@@ -7196,7 +5545,7 @@
 </p:sld>
 </file>
 
-<file path=ppt/slides/slide8.xml><?xml version="1.0" encoding="utf-8"?>
+<file path=ppt/slides/slide5.xml><?xml version="1.0" encoding="utf-8"?>
 <p:sld xmlns:a="http://schemas.openxmlformats.org/drawingml/2006/main" xmlns:r="http://schemas.openxmlformats.org/officeDocument/2006/relationships" xmlns:p="http://schemas.openxmlformats.org/presentationml/2006/main">
   <p:cSld>
     <p:spTree>
@@ -7238,7 +5587,7 @@
                 <a:latin typeface="나눔고딕" panose="020D0604000000000000" pitchFamily="50" charset="-127"/>
                 <a:ea typeface="나눔고딕" panose="020D0604000000000000" pitchFamily="50" charset="-127"/>
               </a:rPr>
-              <a:t>02-02 Messenger</a:t>
+              <a:t>01-02 Messenger</a:t>
             </a:r>
             <a:endParaRPr lang="ko-KR" altLang="en-US" dirty="0">
               <a:latin typeface="나눔고딕" panose="020D0604000000000000" pitchFamily="50" charset="-127"/>
@@ -7270,7 +5619,7 @@
               <a:pPr>
                 <a:defRPr/>
               </a:pPr>
-              <a:t>8</a:t>
+              <a:t>5</a:t>
             </a:fld>
             <a:endParaRPr lang="ko-KR" altLang="en-US"/>
           </a:p>
@@ -7806,7 +6155,7 @@
 </p:sld>
 </file>
 
-<file path=ppt/slides/slide9.xml><?xml version="1.0" encoding="utf-8"?>
+<file path=ppt/slides/slide6.xml><?xml version="1.0" encoding="utf-8"?>
 <p:sld xmlns:a="http://schemas.openxmlformats.org/drawingml/2006/main" xmlns:r="http://schemas.openxmlformats.org/officeDocument/2006/relationships" xmlns:p="http://schemas.openxmlformats.org/presentationml/2006/main">
   <p:cSld>
     <p:spTree>
@@ -7843,7 +6192,7 @@
                 <a:latin typeface="나눔고딕" panose="020D0604000000000000" pitchFamily="50" charset="-127"/>
                 <a:ea typeface="나눔고딕" panose="020D0604000000000000" pitchFamily="50" charset="-127"/>
               </a:rPr>
-              <a:t>02-03 Messenger</a:t>
+              <a:t>01-03 Messenger</a:t>
             </a:r>
             <a:endParaRPr lang="ko-KR" altLang="en-US" dirty="0">
               <a:latin typeface="나눔고딕" panose="020D0604000000000000" pitchFamily="50" charset="-127"/>
@@ -7875,7 +6224,7 @@
               <a:pPr>
                 <a:defRPr/>
               </a:pPr>
-              <a:t>9</a:t>
+              <a:t>6</a:t>
             </a:fld>
             <a:endParaRPr lang="ko-KR" altLang="en-US"/>
           </a:p>
@@ -8012,6 +6361,276 @@
     <p:extLst>
       <p:ext uri="{BB962C8B-B14F-4D97-AF65-F5344CB8AC3E}">
         <p14:creationId xmlns:p14="http://schemas.microsoft.com/office/powerpoint/2010/main" val="2595565980"/>
+      </p:ext>
+    </p:extLst>
+  </p:cSld>
+  <p:clrMapOvr>
+    <a:masterClrMapping/>
+  </p:clrMapOvr>
+</p:sld>
+</file>
+
+<file path=ppt/slides/slide7.xml><?xml version="1.0" encoding="utf-8"?>
+<p:sld xmlns:a="http://schemas.openxmlformats.org/drawingml/2006/main" xmlns:r="http://schemas.openxmlformats.org/officeDocument/2006/relationships" xmlns:p="http://schemas.openxmlformats.org/presentationml/2006/main">
+  <p:cSld>
+    <p:spTree>
+      <p:nvGrpSpPr>
+        <p:cNvPr id="1" name=""/>
+        <p:cNvGrpSpPr/>
+        <p:nvPr/>
+      </p:nvGrpSpPr>
+      <p:grpSpPr>
+        <a:xfrm>
+          <a:off x="0" y="0"/>
+          <a:ext cx="0" cy="0"/>
+          <a:chOff x="0" y="0"/>
+          <a:chExt cx="0" cy="0"/>
+        </a:xfrm>
+      </p:grpSpPr>
+      <p:sp>
+        <p:nvSpPr>
+          <p:cNvPr id="2" name="제목 1"/>
+          <p:cNvSpPr>
+            <a:spLocks noGrp="1"/>
+          </p:cNvSpPr>
+          <p:nvPr>
+            <p:ph type="title"/>
+          </p:nvPr>
+        </p:nvSpPr>
+        <p:spPr>
+          <a:xfrm>
+            <a:off x="453100" y="380510"/>
+            <a:ext cx="11248112" cy="456202"/>
+          </a:xfrm>
+        </p:spPr>
+        <p:txBody>
+          <a:bodyPr/>
+          <a:lstStyle/>
+          <a:p>
+            <a:r>
+              <a:rPr lang="en-US" altLang="ko-KR">
+                <a:latin typeface="나눔고딕" panose="020D0604000000000000" pitchFamily="50" charset="-127"/>
+                <a:ea typeface="나눔고딕" panose="020D0604000000000000" pitchFamily="50" charset="-127"/>
+              </a:rPr>
+              <a:t>01-03 </a:t>
+            </a:r>
+            <a:r>
+              <a:rPr lang="en-US" altLang="ko-KR" dirty="0">
+                <a:latin typeface="나눔고딕" panose="020D0604000000000000" pitchFamily="50" charset="-127"/>
+                <a:ea typeface="나눔고딕" panose="020D0604000000000000" pitchFamily="50" charset="-127"/>
+              </a:rPr>
+              <a:t>Messenger</a:t>
+            </a:r>
+            <a:endParaRPr lang="ko-KR" altLang="en-US" dirty="0">
+              <a:latin typeface="나눔고딕" panose="020D0604000000000000" pitchFamily="50" charset="-127"/>
+              <a:ea typeface="나눔고딕" panose="020D0604000000000000" pitchFamily="50" charset="-127"/>
+            </a:endParaRPr>
+          </a:p>
+        </p:txBody>
+      </p:sp>
+      <p:sp>
+        <p:nvSpPr>
+          <p:cNvPr id="4" name="슬라이드 번호 개체 틀 3"/>
+          <p:cNvSpPr>
+            <a:spLocks noGrp="1"/>
+          </p:cNvSpPr>
+          <p:nvPr>
+            <p:ph type="sldNum" sz="quarter" idx="14"/>
+          </p:nvPr>
+        </p:nvSpPr>
+        <p:spPr/>
+        <p:txBody>
+          <a:bodyPr/>
+          <a:lstStyle/>
+          <a:p>
+            <a:pPr>
+              <a:defRPr/>
+            </a:pPr>
+            <a:fld id="{3D493B47-E977-46F8-8C2F-7DA674317049}" type="slidenum">
+              <a:rPr lang="ko-KR" altLang="en-US" smtClean="0"/>
+              <a:pPr>
+                <a:defRPr/>
+              </a:pPr>
+              <a:t>7</a:t>
+            </a:fld>
+            <a:endParaRPr lang="ko-KR" altLang="en-US"/>
+          </a:p>
+        </p:txBody>
+      </p:sp>
+      <p:sp>
+        <p:nvSpPr>
+          <p:cNvPr id="5" name="내용 개체 틀 4">
+            <a:extLst>
+              <a:ext uri="{FF2B5EF4-FFF2-40B4-BE49-F238E27FC236}">
+                <a16:creationId xmlns:a16="http://schemas.microsoft.com/office/drawing/2014/main" id="{5DA6ACC0-4EB9-4FD3-BB05-04945F559461}"/>
+              </a:ext>
+            </a:extLst>
+          </p:cNvPr>
+          <p:cNvSpPr>
+            <a:spLocks noGrp="1"/>
+          </p:cNvSpPr>
+          <p:nvPr>
+            <p:ph idx="10"/>
+          </p:nvPr>
+        </p:nvSpPr>
+        <p:spPr>
+          <a:xfrm>
+            <a:off x="453100" y="836712"/>
+            <a:ext cx="11248112" cy="5640778"/>
+          </a:xfrm>
+        </p:spPr>
+        <p:txBody>
+          <a:bodyPr/>
+          <a:lstStyle/>
+          <a:p>
+            <a:r>
+              <a:rPr lang="en-US" altLang="ko-KR" dirty="0" err="1"/>
+              <a:t>sendMessage</a:t>
+            </a:r>
+            <a:r>
+              <a:rPr lang="en-US" altLang="ko-KR" dirty="0"/>
+              <a:t> method </a:t>
+            </a:r>
+            <a:r>
+              <a:rPr lang="ko-KR" altLang="en-US" dirty="0"/>
+              <a:t>에서 메시지를 추가할 때 </a:t>
+            </a:r>
+            <a:r>
+              <a:rPr lang="en-US" altLang="ko-KR" dirty="0"/>
+              <a:t>8</a:t>
+            </a:r>
+            <a:r>
+              <a:rPr lang="ko-KR" altLang="en-US" dirty="0"/>
+              <a:t>개를 넘지 않도록 합니다</a:t>
+            </a:r>
+            <a:endParaRPr lang="en-US" altLang="ko-KR" dirty="0"/>
+          </a:p>
+          <a:p>
+            <a:r>
+              <a:rPr lang="en-US" altLang="ko-KR" dirty="0" err="1"/>
+              <a:t>Message.size</a:t>
+            </a:r>
+            <a:r>
+              <a:rPr lang="en-US" altLang="ko-KR" dirty="0"/>
+              <a:t>()</a:t>
+            </a:r>
+            <a:r>
+              <a:rPr lang="ko-KR" altLang="en-US" dirty="0"/>
+              <a:t>를 통해 </a:t>
+            </a:r>
+            <a:r>
+              <a:rPr lang="en-US" altLang="ko-KR" dirty="0"/>
+              <a:t>message List</a:t>
+            </a:r>
+            <a:r>
+              <a:rPr lang="ko-KR" altLang="en-US" dirty="0"/>
+              <a:t> 값의 수를 알 </a:t>
+            </a:r>
+            <a:r>
+              <a:rPr lang="ko-KR" altLang="en-US"/>
+              <a:t>수 있습니다</a:t>
+            </a:r>
+            <a:endParaRPr lang="en-US" altLang="ko-KR" dirty="0"/>
+          </a:p>
+          <a:p>
+            <a:r>
+              <a:rPr lang="en-US" altLang="ko-KR" dirty="0" err="1"/>
+              <a:t>Message.remove</a:t>
+            </a:r>
+            <a:r>
+              <a:rPr lang="en-US" altLang="ko-KR" dirty="0"/>
+              <a:t>(</a:t>
+            </a:r>
+            <a:r>
+              <a:rPr lang="en-US" altLang="ko-KR" dirty="0" err="1"/>
+              <a:t>i</a:t>
+            </a:r>
+            <a:r>
+              <a:rPr lang="en-US" altLang="ko-KR" dirty="0"/>
+              <a:t>)</a:t>
+            </a:r>
+            <a:r>
+              <a:rPr lang="ko-KR" altLang="en-US" dirty="0"/>
+              <a:t>를</a:t>
+            </a:r>
+            <a:r>
+              <a:rPr lang="en-US" altLang="ko-KR" dirty="0"/>
+              <a:t> </a:t>
+            </a:r>
+            <a:r>
+              <a:rPr lang="ko-KR" altLang="en-US" dirty="0"/>
+              <a:t>통해 </a:t>
+            </a:r>
+            <a:r>
+              <a:rPr lang="en-US" altLang="ko-KR" dirty="0" err="1"/>
+              <a:t>i</a:t>
+            </a:r>
+            <a:r>
+              <a:rPr lang="ko-KR" altLang="en-US" dirty="0"/>
+              <a:t>번째 </a:t>
+            </a:r>
+            <a:r>
+              <a:rPr lang="en-US" altLang="ko-KR" dirty="0"/>
+              <a:t>List</a:t>
+            </a:r>
+            <a:r>
+              <a:rPr lang="ko-KR" altLang="en-US" dirty="0"/>
+              <a:t>를 삭제할 수 있습니다</a:t>
+            </a:r>
+            <a:endParaRPr lang="en-US" altLang="ko-KR" dirty="0"/>
+          </a:p>
+          <a:p>
+            <a:r>
+              <a:rPr lang="en-US" altLang="ko-KR" dirty="0" err="1"/>
+              <a:t>Message.get</a:t>
+            </a:r>
+            <a:r>
+              <a:rPr lang="en-US" altLang="ko-KR" dirty="0"/>
+              <a:t>(</a:t>
+            </a:r>
+            <a:r>
+              <a:rPr lang="en-US" altLang="ko-KR" dirty="0" err="1"/>
+              <a:t>i</a:t>
+            </a:r>
+            <a:r>
+              <a:rPr lang="en-US" altLang="ko-KR" dirty="0"/>
+              <a:t>) </a:t>
+            </a:r>
+            <a:r>
+              <a:rPr lang="en-US" altLang="ko-KR" dirty="0" err="1"/>
+              <a:t>i</a:t>
+            </a:r>
+            <a:r>
+              <a:rPr lang="ko-KR" altLang="en-US" dirty="0"/>
+              <a:t>번째의 데이터를 가져옴</a:t>
+            </a:r>
+            <a:endParaRPr lang="en-US" altLang="ko-KR" dirty="0"/>
+          </a:p>
+          <a:p>
+            <a:r>
+              <a:rPr lang="en-US" altLang="ko-KR" dirty="0" err="1"/>
+              <a:t>Message.add</a:t>
+            </a:r>
+            <a:r>
+              <a:rPr lang="en-US" altLang="ko-KR" dirty="0"/>
+              <a:t>() </a:t>
+            </a:r>
+            <a:r>
+              <a:rPr lang="en-US" altLang="ko-KR" dirty="0" err="1"/>
+              <a:t>ArrayList</a:t>
+            </a:r>
+            <a:r>
+              <a:rPr lang="ko-KR" altLang="en-US" dirty="0"/>
+              <a:t>의 마지막 순서에 데이터를 추가</a:t>
+            </a:r>
+            <a:endParaRPr lang="en-US" altLang="ko-KR" dirty="0"/>
+          </a:p>
+        </p:txBody>
+      </p:sp>
+    </p:spTree>
+    <p:extLst>
+      <p:ext uri="{BB962C8B-B14F-4D97-AF65-F5344CB8AC3E}">
+        <p14:creationId xmlns:p14="http://schemas.microsoft.com/office/powerpoint/2010/main" val="792859114"/>
       </p:ext>
     </p:extLst>
   </p:cSld>
